--- a/admin/splash/splash.pptx
+++ b/admin/splash/splash.pptx
@@ -261,7 +261,7 @@
           <a:p>
             <a:fld id="{EF645327-BCEF-41E4-8EDB-7E1E655BB139}" type="datetimeFigureOut">
               <a:rPr lang="en-IE" smtClean="0"/>
-              <a:t>16/11/2020</a:t>
+              <a:t>27/10/2022</a:t>
             </a:fld>
             <a:endParaRPr lang="en-IE"/>
           </a:p>
@@ -461,7 +461,7 @@
           <a:p>
             <a:fld id="{EF645327-BCEF-41E4-8EDB-7E1E655BB139}" type="datetimeFigureOut">
               <a:rPr lang="en-IE" smtClean="0"/>
-              <a:t>16/11/2020</a:t>
+              <a:t>27/10/2022</a:t>
             </a:fld>
             <a:endParaRPr lang="en-IE"/>
           </a:p>
@@ -671,7 +671,7 @@
           <a:p>
             <a:fld id="{EF645327-BCEF-41E4-8EDB-7E1E655BB139}" type="datetimeFigureOut">
               <a:rPr lang="en-IE" smtClean="0"/>
-              <a:t>16/11/2020</a:t>
+              <a:t>27/10/2022</a:t>
             </a:fld>
             <a:endParaRPr lang="en-IE"/>
           </a:p>
@@ -871,7 +871,7 @@
           <a:p>
             <a:fld id="{EF645327-BCEF-41E4-8EDB-7E1E655BB139}" type="datetimeFigureOut">
               <a:rPr lang="en-IE" smtClean="0"/>
-              <a:t>16/11/2020</a:t>
+              <a:t>27/10/2022</a:t>
             </a:fld>
             <a:endParaRPr lang="en-IE"/>
           </a:p>
@@ -1147,7 +1147,7 @@
           <a:p>
             <a:fld id="{EF645327-BCEF-41E4-8EDB-7E1E655BB139}" type="datetimeFigureOut">
               <a:rPr lang="en-IE" smtClean="0"/>
-              <a:t>16/11/2020</a:t>
+              <a:t>27/10/2022</a:t>
             </a:fld>
             <a:endParaRPr lang="en-IE"/>
           </a:p>
@@ -1415,7 +1415,7 @@
           <a:p>
             <a:fld id="{EF645327-BCEF-41E4-8EDB-7E1E655BB139}" type="datetimeFigureOut">
               <a:rPr lang="en-IE" smtClean="0"/>
-              <a:t>16/11/2020</a:t>
+              <a:t>27/10/2022</a:t>
             </a:fld>
             <a:endParaRPr lang="en-IE"/>
           </a:p>
@@ -1830,7 +1830,7 @@
           <a:p>
             <a:fld id="{EF645327-BCEF-41E4-8EDB-7E1E655BB139}" type="datetimeFigureOut">
               <a:rPr lang="en-IE" smtClean="0"/>
-              <a:t>16/11/2020</a:t>
+              <a:t>27/10/2022</a:t>
             </a:fld>
             <a:endParaRPr lang="en-IE"/>
           </a:p>
@@ -1972,7 +1972,7 @@
           <a:p>
             <a:fld id="{EF645327-BCEF-41E4-8EDB-7E1E655BB139}" type="datetimeFigureOut">
               <a:rPr lang="en-IE" smtClean="0"/>
-              <a:t>16/11/2020</a:t>
+              <a:t>27/10/2022</a:t>
             </a:fld>
             <a:endParaRPr lang="en-IE"/>
           </a:p>
@@ -2085,7 +2085,7 @@
           <a:p>
             <a:fld id="{EF645327-BCEF-41E4-8EDB-7E1E655BB139}" type="datetimeFigureOut">
               <a:rPr lang="en-IE" smtClean="0"/>
-              <a:t>16/11/2020</a:t>
+              <a:t>27/10/2022</a:t>
             </a:fld>
             <a:endParaRPr lang="en-IE"/>
           </a:p>
@@ -2398,7 +2398,7 @@
           <a:p>
             <a:fld id="{EF645327-BCEF-41E4-8EDB-7E1E655BB139}" type="datetimeFigureOut">
               <a:rPr lang="en-IE" smtClean="0"/>
-              <a:t>16/11/2020</a:t>
+              <a:t>27/10/2022</a:t>
             </a:fld>
             <a:endParaRPr lang="en-IE"/>
           </a:p>
@@ -2687,7 +2687,7 @@
           <a:p>
             <a:fld id="{EF645327-BCEF-41E4-8EDB-7E1E655BB139}" type="datetimeFigureOut">
               <a:rPr lang="en-IE" smtClean="0"/>
-              <a:t>16/11/2020</a:t>
+              <a:t>27/10/2022</a:t>
             </a:fld>
             <a:endParaRPr lang="en-IE"/>
           </a:p>
@@ -2930,7 +2930,7 @@
           <a:p>
             <a:fld id="{EF645327-BCEF-41E4-8EDB-7E1E655BB139}" type="datetimeFigureOut">
               <a:rPr lang="en-IE" smtClean="0"/>
-              <a:t>16/11/2020</a:t>
+              <a:t>27/10/2022</a:t>
             </a:fld>
             <a:endParaRPr lang="en-IE"/>
           </a:p>
@@ -3365,8 +3365,8 @@
         </p:nvSpPr>
         <p:spPr>
           <a:xfrm>
-            <a:off x="2951284" y="1503490"/>
-            <a:ext cx="9144000" cy="2387600"/>
+            <a:off x="900603" y="1926369"/>
+            <a:ext cx="10390794" cy="2387600"/>
           </a:xfrm>
         </p:spPr>
         <p:txBody>
@@ -3400,7 +3400,7 @@
         </p:nvSpPr>
         <p:spPr>
           <a:xfrm>
-            <a:off x="3048000" y="1734048"/>
+            <a:off x="1524000" y="4264920"/>
             <a:ext cx="9144000" cy="488048"/>
           </a:xfrm>
         </p:spPr>
@@ -3408,18 +3408,99 @@
           <a:bodyPr/>
           <a:lstStyle/>
           <a:p>
-            <a:endParaRPr lang="en-IE" dirty="0">
-              <a:latin typeface="+mj-lt"/>
-            </a:endParaRPr>
+            <a:r>
+              <a:rPr lang="en-IE" i="1" dirty="0">
+                <a:latin typeface="+mj-lt"/>
+              </a:rPr>
+              <a:t>BSc(hons) Applied Computing, Y3, 2022</a:t>
+            </a:r>
           </a:p>
         </p:txBody>
       </p:sp>
       <p:pic>
         <p:nvPicPr>
-          <p:cNvPr id="1030" name="Picture 6" descr="Waterford Institute of Technology Logo">
-            <a:extLst>
-              <a:ext uri="{FF2B5EF4-FFF2-40B4-BE49-F238E27FC236}">
-                <a16:creationId xmlns:a16="http://schemas.microsoft.com/office/drawing/2014/main" id="{E5B05A81-9402-4076-AD69-2037EE6269CF}"/>
+          <p:cNvPr id="6" name="Picture 5" descr="A picture containing drawing, window&#10;&#10;Description automatically generated">
+            <a:extLst>
+              <a:ext uri="{FF2B5EF4-FFF2-40B4-BE49-F238E27FC236}">
+                <a16:creationId xmlns:a16="http://schemas.microsoft.com/office/drawing/2014/main" id="{A0905160-D68C-4452-B59F-9F74A14F4199}"/>
+              </a:ext>
+            </a:extLst>
+          </p:cNvPr>
+          <p:cNvPicPr>
+            <a:picLocks noChangeAspect="1"/>
+          </p:cNvPicPr>
+          <p:nvPr/>
+        </p:nvPicPr>
+        <p:blipFill>
+          <a:blip r:embed="rId2">
+            <a:extLst>
+              <a:ext uri="{28A0092B-C50C-407E-A947-70E740481C1C}">
+                <a14:useLocalDpi xmlns:a14="http://schemas.microsoft.com/office/drawing/2010/main" val="0"/>
+              </a:ext>
+              <a:ext uri="{837473B0-CC2E-450A-ABE3-18F120FF3D39}">
+                <a1611:picAttrSrcUrl xmlns:a1611="http://schemas.microsoft.com/office/drawing/2016/11/main" r:id="rId3"/>
+              </a:ext>
+            </a:extLst>
+          </a:blip>
+          <a:stretch>
+            <a:fillRect/>
+          </a:stretch>
+        </p:blipFill>
+        <p:spPr>
+          <a:xfrm>
+            <a:off x="9056106" y="3362043"/>
+            <a:ext cx="3515617" cy="2484369"/>
+          </a:xfrm>
+          <a:prstGeom prst="rect">
+            <a:avLst/>
+          </a:prstGeom>
+        </p:spPr>
+      </p:pic>
+      <p:pic>
+        <p:nvPicPr>
+          <p:cNvPr id="9" name="Picture 8" descr="A close up of a sign&#10;&#10;Description automatically generated">
+            <a:extLst>
+              <a:ext uri="{FF2B5EF4-FFF2-40B4-BE49-F238E27FC236}">
+                <a16:creationId xmlns:a16="http://schemas.microsoft.com/office/drawing/2014/main" id="{F0177D51-FAAC-4CEC-B0B9-4A12C11377A8}"/>
+              </a:ext>
+            </a:extLst>
+          </p:cNvPr>
+          <p:cNvPicPr>
+            <a:picLocks noChangeAspect="1"/>
+          </p:cNvPicPr>
+          <p:nvPr/>
+        </p:nvPicPr>
+        <p:blipFill>
+          <a:blip r:embed="rId4">
+            <a:extLst>
+              <a:ext uri="{28A0092B-C50C-407E-A947-70E740481C1C}">
+                <a14:useLocalDpi xmlns:a14="http://schemas.microsoft.com/office/drawing/2010/main" val="0"/>
+              </a:ext>
+              <a:ext uri="{837473B0-CC2E-450A-ABE3-18F120FF3D39}">
+                <a1611:picAttrSrcUrl xmlns:a1611="http://schemas.microsoft.com/office/drawing/2016/11/main" r:id="rId5"/>
+              </a:ext>
+            </a:extLst>
+          </a:blip>
+          <a:stretch>
+            <a:fillRect/>
+          </a:stretch>
+        </p:blipFill>
+        <p:spPr>
+          <a:xfrm>
+            <a:off x="9795265" y="1324745"/>
+            <a:ext cx="2037298" cy="2037298"/>
+          </a:xfrm>
+          <a:prstGeom prst="rect">
+            <a:avLst/>
+          </a:prstGeom>
+        </p:spPr>
+      </p:pic>
+      <p:pic>
+        <p:nvPicPr>
+          <p:cNvPr id="1026" name="Picture 2">
+            <a:extLst>
+              <a:ext uri="{FF2B5EF4-FFF2-40B4-BE49-F238E27FC236}">
+                <a16:creationId xmlns:a16="http://schemas.microsoft.com/office/drawing/2014/main" id="{F8132062-C1ED-20B5-BA9B-F6CA92EBE666}"/>
               </a:ext>
             </a:extLst>
           </p:cNvPr>
@@ -3429,7 +3510,7 @@
           <p:nvPr/>
         </p:nvPicPr>
         <p:blipFill>
-          <a:blip r:embed="rId2">
+          <a:blip r:embed="rId6">
             <a:extLst>
               <a:ext uri="{28A0092B-C50C-407E-A947-70E740481C1C}">
                 <a14:useLocalDpi xmlns:a14="http://schemas.microsoft.com/office/drawing/2010/main" val="0"/>
@@ -3443,8 +3524,8 @@
         </p:blipFill>
         <p:spPr bwMode="auto">
           <a:xfrm>
-            <a:off x="7855293" y="5315851"/>
-            <a:ext cx="3771900" cy="847725"/>
+            <a:off x="0" y="0"/>
+            <a:ext cx="3429000" cy="1924050"/>
           </a:xfrm>
           <a:prstGeom prst="rect">
             <a:avLst/>
@@ -3459,84 +3540,6 @@
               </a14:hiddenFill>
             </a:ext>
           </a:extLst>
-        </p:spPr>
-      </p:pic>
-      <p:pic>
-        <p:nvPicPr>
-          <p:cNvPr id="6" name="Picture 5" descr="A picture containing drawing, window&#10;&#10;Description automatically generated">
-            <a:extLst>
-              <a:ext uri="{FF2B5EF4-FFF2-40B4-BE49-F238E27FC236}">
-                <a16:creationId xmlns:a16="http://schemas.microsoft.com/office/drawing/2014/main" id="{A0905160-D68C-4452-B59F-9F74A14F4199}"/>
-              </a:ext>
-            </a:extLst>
-          </p:cNvPr>
-          <p:cNvPicPr>
-            <a:picLocks noChangeAspect="1"/>
-          </p:cNvPicPr>
-          <p:nvPr/>
-        </p:nvPicPr>
-        <p:blipFill>
-          <a:blip r:embed="rId3">
-            <a:extLst>
-              <a:ext uri="{28A0092B-C50C-407E-A947-70E740481C1C}">
-                <a14:useLocalDpi xmlns:a14="http://schemas.microsoft.com/office/drawing/2010/main" val="0"/>
-              </a:ext>
-              <a:ext uri="{837473B0-CC2E-450A-ABE3-18F120FF3D39}">
-                <a1611:picAttrSrcUrl xmlns:a1611="http://schemas.microsoft.com/office/drawing/2016/11/main" r:id="rId4"/>
-              </a:ext>
-            </a:extLst>
-          </a:blip>
-          <a:stretch>
-            <a:fillRect/>
-          </a:stretch>
-        </p:blipFill>
-        <p:spPr>
-          <a:xfrm>
-            <a:off x="641192" y="1230512"/>
-            <a:ext cx="3515617" cy="2484369"/>
-          </a:xfrm>
-          <a:prstGeom prst="rect">
-            <a:avLst/>
-          </a:prstGeom>
-        </p:spPr>
-      </p:pic>
-      <p:pic>
-        <p:nvPicPr>
-          <p:cNvPr id="9" name="Picture 8" descr="A close up of a sign&#10;&#10;Description automatically generated">
-            <a:extLst>
-              <a:ext uri="{FF2B5EF4-FFF2-40B4-BE49-F238E27FC236}">
-                <a16:creationId xmlns:a16="http://schemas.microsoft.com/office/drawing/2014/main" id="{F0177D51-FAAC-4CEC-B0B9-4A12C11377A8}"/>
-              </a:ext>
-            </a:extLst>
-          </p:cNvPr>
-          <p:cNvPicPr>
-            <a:picLocks noChangeAspect="1"/>
-          </p:cNvPicPr>
-          <p:nvPr/>
-        </p:nvPicPr>
-        <p:blipFill>
-          <a:blip r:embed="rId5">
-            <a:extLst>
-              <a:ext uri="{28A0092B-C50C-407E-A947-70E740481C1C}">
-                <a14:useLocalDpi xmlns:a14="http://schemas.microsoft.com/office/drawing/2010/main" val="0"/>
-              </a:ext>
-              <a:ext uri="{837473B0-CC2E-450A-ABE3-18F120FF3D39}">
-                <a1611:picAttrSrcUrl xmlns:a1611="http://schemas.microsoft.com/office/drawing/2016/11/main" r:id="rId6"/>
-              </a:ext>
-            </a:extLst>
-          </a:blip>
-          <a:stretch>
-            <a:fillRect/>
-          </a:stretch>
-        </p:blipFill>
-        <p:spPr>
-          <a:xfrm>
-            <a:off x="1380352" y="3612616"/>
-            <a:ext cx="2037298" cy="2037298"/>
-          </a:xfrm>
-          <a:prstGeom prst="rect">
-            <a:avLst/>
-          </a:prstGeom>
         </p:spPr>
       </p:pic>
     </p:spTree>
